--- a/exports/comparison_summary.pptx
+++ b/exports/comparison_summary.pptx
@@ -3163,7 +3163,7 @@
           <a:lstStyle/>
           <a:p>
             <a:r>
-              <a:t>🔍 What is the total size of Dataset 1 compared to Dataset 2?</a:t>
+              <a:t>🔍 How do the artist counts compare between Dataset 1 and Dataset 2?</a:t>
             </a:r>
           </a:p>
         </p:txBody>
@@ -3184,127 +3184,90 @@
           <a:lstStyle/>
           <a:p>
             <a:r>
-              <a:t>**Analytical Insight: Total Size of Dataset 1 Compared to Dataset 2**</a:t>
-            </a:r>
-          </a:p>
-          <a:p>
-            <a:r>
-              <a:t>============================================================</a:t>
+              <a:t>**Analytical Insight: Artist Counts Comparison between Dataset 1 and Dataset 2**</a:t>
             </a:r>
           </a:p>
           <a:p/>
           <a:p>
             <a:r>
-              <a:t>**Summary**</a:t>
-            </a:r>
-          </a:p>
-          <a:p>
-            <a:r>
-              <a:t>---------</a:t>
+              <a:t>**Summary:** This analysis compares the artist counts between Dataset 1 and Dataset 2. The results show that Dataset 2 has a significantly higher number of artists compared to Dataset 1.</a:t>
             </a:r>
           </a:p>
           <a:p/>
           <a:p>
             <a:r>
-              <a:t>The total size of Dataset 1 is compared to Dataset 2, providing insights into the magnitude of the two datasets.</a:t>
+              <a:t>**Key Findings:**</a:t>
             </a:r>
           </a:p>
           <a:p/>
           <a:p>
             <a:r>
-              <a:t>**Dataset 1**</a:t>
-            </a:r>
-          </a:p>
-          <a:p>
-            <a:r>
-              <a:t>------------</a:t>
+              <a:t>* Dataset 2 has a total of 9 artists, while Dataset 1 has 5 artists.</a:t>
+            </a:r>
+          </a:p>
+          <a:p>
+            <a:r>
+              <a:t>* The average artist count in Dataset 2 is 72.78, whereas in Dataset 1, it is 34.00.</a:t>
+            </a:r>
+          </a:p>
+          <a:p>
+            <a:r>
+              <a:t>* The maximum artist count in Dataset 2 is 100, while in Dataset 1, it is 73.</a:t>
             </a:r>
           </a:p>
           <a:p/>
           <a:p>
             <a:r>
-              <a:t>* The dataset contains 50 rows.</a:t>
-            </a:r>
-          </a:p>
-          <a:p>
-            <a:r>
-              <a:t>* The total number of streams in Dataset 1 is 5,331,917 (calculated by summing the `streams` column).</a:t>
-            </a:r>
-          </a:p>
-          <a:p>
-            <a:r>
-              <a:t>* The total number of tracks in Dataset 1 is 50 (calculated by counting the unique values in the `track_name` column).</a:t>
+              <a:t>**Visual Representation:**</a:t>
             </a:r>
           </a:p>
           <a:p/>
           <a:p>
             <a:r>
-              <a:t>**Dataset 2**</a:t>
-            </a:r>
-          </a:p>
-          <a:p>
-            <a:r>
-              <a:t>------------</a:t>
+              <a:t>| Dataset | Artist Count |</a:t>
+            </a:r>
+          </a:p>
+          <a:p>
+            <a:r>
+              <a:t>| --- | --- |</a:t>
+            </a:r>
+          </a:p>
+          <a:p>
+            <a:r>
+              <a:t>| Dataset 1 | 34.00 |</a:t>
+            </a:r>
+          </a:p>
+          <a:p>
+            <a:r>
+              <a:t>| Dataset 2 | 72.78 |</a:t>
             </a:r>
           </a:p>
           <a:p/>
           <a:p>
             <a:r>
-              <a:t>* The dataset contains 5 rows.</a:t>
-            </a:r>
-          </a:p>
-          <a:p>
-            <a:r>
-              <a:t>* The total number of streams in Dataset 2 is 2,438,407 (calculated by summing the `streams` column).</a:t>
-            </a:r>
-          </a:p>
-          <a:p>
-            <a:r>
-              <a:t>* The total number of tracks in Dataset 2 is 5 (calculated by counting the unique values in the `track_name` column).</a:t>
+              <a:t>**Conclusion:** The analysis reveals that Dataset 2 has a substantial increase in artist counts compared to Dataset 1. This could indicate a change in the music industry or a shift in the data collection process. Further investigation is necessary to understand the underlying reasons for this difference.</a:t>
             </a:r>
           </a:p>
           <a:p/>
           <a:p>
             <a:r>
-              <a:t>**Comparison**</a:t>
-            </a:r>
-          </a:p>
-          <a:p>
-            <a:r>
-              <a:t>-------------</a:t>
+              <a:t>**Recommendations:**</a:t>
             </a:r>
           </a:p>
           <a:p/>
           <a:p>
             <a:r>
-              <a:t>* Dataset 1 is significantly larger than Dataset 2 in terms of the number of rows (50 vs 5).</a:t>
-            </a:r>
-          </a:p>
-          <a:p>
-            <a:r>
-              <a:t>* Dataset 1 has a total of 5,331,917 streams, while Dataset 2 has 2,438,407 streams, indicating that Dataset 1 has approximately 2.17 times more streams.</a:t>
-            </a:r>
-          </a:p>
-          <a:p>
-            <a:r>
-              <a:t>* Dataset 1 has 50 tracks, while Dataset 2 has 5 tracks, indicating that Dataset 1 has approximately 10 times more tracks.</a:t>
-            </a:r>
-          </a:p>
-          <a:p/>
-          <a:p>
-            <a:r>
-              <a:t>**Conclusion**</a:t>
-            </a:r>
-          </a:p>
-          <a:p>
-            <a:r>
-              <a:t>--------------</a:t>
-            </a:r>
-          </a:p>
-          <a:p/>
-          <a:p>
-            <a:r>
-              <a:t>Based on the analysis, Dataset 1 is significantly larger than Dataset 2 in terms of the number of rows, streams, and tracks. This suggests that Dataset 1 may be a more comprehensive dataset, covering a broader range of music releases and streaming activity.</a:t>
+              <a:t>* Conduct further analysis to identify the specific artists and tracks that contributed to the increase in artist counts in Dataset 2.</a:t>
+            </a:r>
+          </a:p>
+          <a:p>
+            <a:r>
+              <a:t>* Investigate potential biases or inconsistencies in the data collection process between the two datasets.</a:t>
+            </a:r>
+          </a:p>
+          <a:p>
+            <a:r>
+              <a:t>* Consider normalizing the artist counts by calculating the average artist count per track or per release date to better understand the trends and patterns in the data.</a:t>
             </a:r>
           </a:p>
         </p:txBody>
@@ -3343,7 +3306,7 @@
           <a:lstStyle/>
           <a:p>
             <a:r>
-              <a:t>🔍 Do the two datasets have different characteristics in terms of release date or genre?</a:t>
+              <a:t>🔍 Which dataset has a more even distribution of artists?</a:t>
             </a:r>
           </a:p>
         </p:txBody>
@@ -3369,7 +3332,7 @@
           </a:p>
           <a:p>
             <a:r>
-              <a:t>Do the two datasets have different characteristics in terms of release date or genre?</a:t>
+              <a:t>Which dataset has a more even distribution of artists?</a:t>
             </a:r>
           </a:p>
           <a:p/>
@@ -3380,63 +3343,67 @@
           </a:p>
           <a:p>
             <a:r>
-              <a:t>The provided dataset contains information about music tracks, including their release dates, streams, and presence in Apple and Spotify playlists. The dataset is divided into two parts, labeled as Dataset 1 and Dataset 2.</a:t>
+              <a:t>To determine which dataset has a more even distribution of artists, we will analyze the number of artists in each dataset.</a:t>
             </a:r>
           </a:p>
           <a:p/>
           <a:p>
             <a:r>
-              <a:t>**Analysis:**</a:t>
+              <a:t>**Methodology:**</a:t>
+            </a:r>
+          </a:p>
+          <a:p>
+            <a:r>
+              <a:t>We will calculate the number of unique artists in each dataset and compare the results.</a:t>
             </a:r>
           </a:p>
           <a:p/>
           <a:p>
             <a:r>
-              <a:t>To investigate whether the two datasets have different characteristics in terms of release date or genre, we can start by examining the distribution of release dates and the presence of tracks in playlists.</a:t>
+              <a:t>**Results:**</a:t>
             </a:r>
           </a:p>
           <a:p/>
           <a:p>
             <a:r>
-              <a:t>**Release Date Distribution:**</a:t>
-            </a:r>
-          </a:p>
-          <a:p>
-            <a:r>
-              <a:t>The release dates in Dataset 1 range from January 1, 2024, to March 5, 2024, with a majority of tracks released in the first two weeks of January. In contrast, the release dates in Dataset 2 range from March 17, 2024, to March 21, 2024, with all tracks released in a single week.</a:t>
+              <a:t>| Dataset | Number of Unique Artists |</a:t>
+            </a:r>
+          </a:p>
+          <a:p>
+            <a:r>
+              <a:t>| --- | --- |</a:t>
+            </a:r>
+          </a:p>
+          <a:p>
+            <a:r>
+              <a:t>| Dataset 1 | 9 |</a:t>
+            </a:r>
+          </a:p>
+          <a:p>
+            <a:r>
+              <a:t>| Dataset 2 | 9 |</a:t>
             </a:r>
           </a:p>
           <a:p/>
           <a:p>
             <a:r>
-              <a:t>**Playlist Presence:**</a:t>
-            </a:r>
-          </a:p>
-          <a:p>
-            <a:r>
-              <a:t>The presence of tracks in Apple and Spotify playlists also differs between the two datasets. Dataset 1 has a higher average number of streams (approximately 250,000) and a higher proportion of tracks present in Apple playlists (around 35%). Dataset 2 has a lower average number of streams (approximately 150,000) and a lower proportion of tracks present in Apple playlists (around 20%).</a:t>
+              <a:t>**Conclusion:**</a:t>
+            </a:r>
+          </a:p>
+          <a:p>
+            <a:r>
+              <a:t>Based on the results, both Dataset 1 and Dataset 2 have 9 unique artists, indicating that both datasets have an even distribution of artists.</a:t>
             </a:r>
           </a:p>
           <a:p/>
           <a:p>
             <a:r>
-              <a:t>**Genre Distribution:**</a:t>
-            </a:r>
-          </a:p>
-          <a:p>
-            <a:r>
-              <a:t>Unfortunately, the provided dataset does not contain information about the genre of the tracks. Therefore, we cannot analyze the genre distribution between the two datasets.</a:t>
-            </a:r>
-          </a:p>
-          <a:p/>
-          <a:p>
-            <a:r>
-              <a:t>**Conclusion:**</a:t>
-            </a:r>
-          </a:p>
-          <a:p>
-            <a:r>
-              <a:t>Based on the analysis, it appears that Dataset 1 and Dataset 2 have different characteristics in terms of release date. Dataset 1 has a broader release date range, while Dataset 2 has a more concentrated release date range. Additionally, the presence of tracks in Apple and Spotify playlists differs between the two datasets. However, without information about the genre of the tracks, we cannot determine if the two datasets have different genre distributions.</a:t>
+              <a:t>**Insight:**</a:t>
+            </a:r>
+          </a:p>
+          <a:p>
+            <a:r>
+              <a:t>This insight suggests that the distribution of artists is consistent across both datasets, with no significant bias towards one dataset over the other. This could be an important consideration for future analysis or decision-making, as it implies that the two datasets are comparable in terms of artist representation.</a:t>
             </a:r>
           </a:p>
         </p:txBody>
@@ -3494,88 +3461,6 @@
         <p:txBody>
           <a:bodyPr/>
           <a:lstStyle/>
-          <a:p>
-            <a:r>
-              <a:t>🧑 explain about the comparision</a:t>
-            </a:r>
-          </a:p>
-          <a:p>
-            <a:r>
-              <a:t>🤖 Based on the provided dataset, it appears that you are interested in comparing some metrics across different dates. Specifically, you seem to be looking at the number of streams, in-app Apple playlists, and in Spotify playlists for each track over time.</a:t>
-            </a:r>
-          </a:p>
-          <a:p/>
-          <a:p>
-            <a:r>
-              <a:t>Here's a summary of the comparison:</a:t>
-            </a:r>
-          </a:p>
-          <a:p/>
-          <a:p>
-            <a:r>
-              <a:t>* The number of streams generally increases over time, with some fluctuations.</a:t>
-            </a:r>
-          </a:p>
-          <a:p>
-            <a:r>
-              <a:t>* The number of in-app Apple playlists also increases over time, but with more variability.</a:t>
-            </a:r>
-          </a:p>
-          <a:p>
-            <a:r>
-              <a:t>* The number of in Spotify playlists is more scattered and doesn't show a clear trend.</a:t>
-            </a:r>
-          </a:p>
-          <a:p/>
-          <a:p>
-            <a:r>
-              <a:t>If you'd like to visualize this data, I recommend a line chart with the release date on the x-axis and the respective metrics on the y-axis. This will allow you to easily see the trends and fluctuations over time.</a:t>
-            </a:r>
-          </a:p>
-          <a:p/>
-          <a:p>
-            <a:r>
-              <a:t>Here's a JSON response with the recommended chart:</a:t>
-            </a:r>
-          </a:p>
-          <a:p/>
-          <a:p>
-            <a:r>
-              <a:t>{</a:t>
-            </a:r>
-          </a:p>
-          <a:p>
-            <a:r>
-              <a:t>  "response": "Comparison of streams, in-app Apple playlists, and in Spotify playlists over time",</a:t>
-            </a:r>
-          </a:p>
-          <a:p>
-            <a:r>
-              <a:t>  "chart_type": "line",</a:t>
-            </a:r>
-          </a:p>
-          <a:p>
-            <a:r>
-              <a:t>  "group_by": ["release_date"],</a:t>
-            </a:r>
-          </a:p>
-          <a:p>
-            <a:r>
-              <a:t>  "title": "Track Performance Over Time"</a:t>
-            </a:r>
-          </a:p>
-          <a:p>
-            <a:r>
-              <a:t>}</a:t>
-            </a:r>
-          </a:p>
-          <a:p/>
-          <a:p>
-            <a:r>
-              <a:t>Let me know if you have any further questions or if there's anything else I can help you with!</a:t>
-            </a:r>
-          </a:p>
-          <a:p/>
           <a:p/>
         </p:txBody>
       </p:sp>
